--- a/16_NGram.pptx
+++ b/16_NGram.pptx
@@ -3638,7 +3638,7 @@
                   <a:srgbClr val="FFFF00"/>
                 </a:solidFill>
               </a:rPr>
-              <a:t>16.1 Quiz</a:t>
+              <a:t>16.2 Quiz</a:t>
             </a:r>
             <a:endParaRPr lang="zh-TW" altLang="en-US" sz="4800" b="1" dirty="0">
               <a:solidFill>
@@ -3806,12 +3806,20 @@
           <a:p>
             <a:pPr algn="l"/>
             <a:r>
+              <a:rPr lang="en-US" altLang="zh-TW" b="1">
+                <a:solidFill>
+                  <a:srgbClr val="FFFF00"/>
+                </a:solidFill>
+              </a:rPr>
+              <a:t>16.2 </a:t>
+            </a:r>
+            <a:r>
               <a:rPr lang="en-US" altLang="zh-TW" b="1" dirty="0">
                 <a:solidFill>
                   <a:srgbClr val="FFFF00"/>
                 </a:solidFill>
               </a:rPr>
-              <a:t>16.1 Quiz</a:t>
+              <a:t>Quiz</a:t>
             </a:r>
             <a:endParaRPr lang="zh-TW" altLang="en-US" b="1" dirty="0">
               <a:solidFill>
